--- a/중급반 수업 자료/1_C++/기초반 C++언어 강의자료/C++_6_오목_파일입출력_오목(Save And Load)/C++_6_오목_파일입출력_오목(Replay).pptx
+++ b/중급반 수업 자료/1_C++/기초반 C++언어 강의자료/C++_6_오목_파일입출력_오목(Save And Load)/C++_6_오목_파일입출력_오목(Replay).pptx
@@ -29,33 +29,33 @@
   <p:notesSz cx="6858000" cy="9144000"/>
   <p:embeddedFontLst>
     <p:embeddedFont>
-      <p:font typeface="Segoe UI Black" panose="020B0604020202020204" charset="0"/>
-      <p:bold r:id="rId19"/>
-      <p:boldItalic r:id="rId20"/>
+      <p:font typeface="HY견고딕" pitchFamily="18" charset="-127"/>
+      <p:regular r:id="rId19"/>
     </p:embeddedFont>
     <p:embeddedFont>
-      <p:font typeface="HY강B" panose="020B0600000101010101" charset="-127"/>
+      <p:font typeface="HY강M" charset="-127"/>
+      <p:regular r:id="rId20"/>
+    </p:embeddedFont>
+    <p:embeddedFont>
+      <p:font typeface="HY헤드라인M" pitchFamily="18" charset="-127"/>
       <p:regular r:id="rId21"/>
     </p:embeddedFont>
     <p:embeddedFont>
-      <p:font typeface="HY헤드라인M" panose="02030600000101010101" pitchFamily="18" charset="-127"/>
+      <p:font typeface="맑은 고딕" pitchFamily="50" charset="-127"/>
       <p:regular r:id="rId22"/>
+      <p:bold r:id="rId23"/>
     </p:embeddedFont>
     <p:embeddedFont>
-      <p:font typeface="Yoon 윤고딕 520_TT" panose="020B0600000101010101" charset="-127"/>
-      <p:regular r:id="rId23"/>
+      <p:font typeface="Segoe UI Black" pitchFamily="34" charset="0"/>
+      <p:bold r:id="rId24"/>
+      <p:boldItalic r:id="rId25"/>
     </p:embeddedFont>
     <p:embeddedFont>
-      <p:font typeface="HY견고딕" panose="02030600000101010101" pitchFamily="18" charset="-127"/>
-      <p:regular r:id="rId24"/>
+      <p:font typeface="HY강B" charset="-127"/>
+      <p:regular r:id="rId26"/>
     </p:embeddedFont>
     <p:embeddedFont>
-      <p:font typeface="맑은 고딕" panose="020B0503020000020004" pitchFamily="50" charset="-127"/>
-      <p:regular r:id="rId25"/>
-      <p:bold r:id="rId26"/>
-    </p:embeddedFont>
-    <p:embeddedFont>
-      <p:font typeface="HY강M" panose="020B0600000101010101" charset="-127"/>
+      <p:font typeface="Yoon 윤고딕 520_TT" charset="-127"/>
       <p:regular r:id="rId27"/>
     </p:embeddedFont>
   </p:embeddedFontLst>
@@ -240,7 +240,7 @@
             <a:fld id="{E2E81C77-485D-47AA-9839-DA75671EEAD7}" type="datetimeFigureOut">
               <a:rPr lang="ko-KR" altLang="en-US" smtClean="0"/>
               <a:pPr/>
-              <a:t>2019-05-24</a:t>
+              <a:t>2022-03-08</a:t>
             </a:fld>
             <a:endParaRPr lang="ko-KR" altLang="en-US"/>
           </a:p>
@@ -857,7 +857,7 @@
             <a:fld id="{3A302466-FE76-40E8-BE5D-598A609EDD2B}" type="datetimeFigureOut">
               <a:rPr lang="ko-KR" altLang="en-US" smtClean="0"/>
               <a:pPr/>
-              <a:t>2019-05-24</a:t>
+              <a:t>2022-03-08</a:t>
             </a:fld>
             <a:endParaRPr lang="ko-KR" altLang="en-US"/>
           </a:p>
@@ -1029,7 +1029,7 @@
             <a:fld id="{3A302466-FE76-40E8-BE5D-598A609EDD2B}" type="datetimeFigureOut">
               <a:rPr lang="ko-KR" altLang="en-US" smtClean="0"/>
               <a:pPr/>
-              <a:t>2019-05-24</a:t>
+              <a:t>2022-03-08</a:t>
             </a:fld>
             <a:endParaRPr lang="ko-KR" altLang="en-US"/>
           </a:p>
@@ -1211,7 +1211,7 @@
             <a:fld id="{3A302466-FE76-40E8-BE5D-598A609EDD2B}" type="datetimeFigureOut">
               <a:rPr lang="ko-KR" altLang="en-US" smtClean="0"/>
               <a:pPr/>
-              <a:t>2019-05-24</a:t>
+              <a:t>2022-03-08</a:t>
             </a:fld>
             <a:endParaRPr lang="ko-KR" altLang="en-US"/>
           </a:p>
@@ -1383,7 +1383,7 @@
             <a:fld id="{3A302466-FE76-40E8-BE5D-598A609EDD2B}" type="datetimeFigureOut">
               <a:rPr lang="ko-KR" altLang="en-US" smtClean="0"/>
               <a:pPr/>
-              <a:t>2019-05-24</a:t>
+              <a:t>2022-03-08</a:t>
             </a:fld>
             <a:endParaRPr lang="ko-KR" altLang="en-US"/>
           </a:p>
@@ -1631,7 +1631,7 @@
             <a:fld id="{3A302466-FE76-40E8-BE5D-598A609EDD2B}" type="datetimeFigureOut">
               <a:rPr lang="ko-KR" altLang="en-US" smtClean="0"/>
               <a:pPr/>
-              <a:t>2019-05-24</a:t>
+              <a:t>2022-03-08</a:t>
             </a:fld>
             <a:endParaRPr lang="ko-KR" altLang="en-US"/>
           </a:p>
@@ -1921,7 +1921,7 @@
             <a:fld id="{3A302466-FE76-40E8-BE5D-598A609EDD2B}" type="datetimeFigureOut">
               <a:rPr lang="ko-KR" altLang="en-US" smtClean="0"/>
               <a:pPr/>
-              <a:t>2019-05-24</a:t>
+              <a:t>2022-03-08</a:t>
             </a:fld>
             <a:endParaRPr lang="ko-KR" altLang="en-US"/>
           </a:p>
@@ -2345,7 +2345,7 @@
             <a:fld id="{3A302466-FE76-40E8-BE5D-598A609EDD2B}" type="datetimeFigureOut">
               <a:rPr lang="ko-KR" altLang="en-US" smtClean="0"/>
               <a:pPr/>
-              <a:t>2019-05-24</a:t>
+              <a:t>2022-03-08</a:t>
             </a:fld>
             <a:endParaRPr lang="ko-KR" altLang="en-US"/>
           </a:p>
@@ -2465,7 +2465,7 @@
             <a:fld id="{3A302466-FE76-40E8-BE5D-598A609EDD2B}" type="datetimeFigureOut">
               <a:rPr lang="ko-KR" altLang="en-US" smtClean="0"/>
               <a:pPr/>
-              <a:t>2019-05-24</a:t>
+              <a:t>2022-03-08</a:t>
             </a:fld>
             <a:endParaRPr lang="ko-KR" altLang="en-US"/>
           </a:p>
@@ -2562,7 +2562,7 @@
             <a:fld id="{3A302466-FE76-40E8-BE5D-598A609EDD2B}" type="datetimeFigureOut">
               <a:rPr lang="ko-KR" altLang="en-US" smtClean="0"/>
               <a:pPr/>
-              <a:t>2019-05-24</a:t>
+              <a:t>2022-03-08</a:t>
             </a:fld>
             <a:endParaRPr lang="ko-KR" altLang="en-US"/>
           </a:p>
@@ -2841,7 +2841,7 @@
             <a:fld id="{3A302466-FE76-40E8-BE5D-598A609EDD2B}" type="datetimeFigureOut">
               <a:rPr lang="ko-KR" altLang="en-US" smtClean="0"/>
               <a:pPr/>
-              <a:t>2019-05-24</a:t>
+              <a:t>2022-03-08</a:t>
             </a:fld>
             <a:endParaRPr lang="ko-KR" altLang="en-US"/>
           </a:p>
@@ -3096,7 +3096,7 @@
             <a:fld id="{3A302466-FE76-40E8-BE5D-598A609EDD2B}" type="datetimeFigureOut">
               <a:rPr lang="ko-KR" altLang="en-US" smtClean="0"/>
               <a:pPr/>
-              <a:t>2019-05-24</a:t>
+              <a:t>2022-03-08</a:t>
             </a:fld>
             <a:endParaRPr lang="ko-KR" altLang="en-US"/>
           </a:p>
@@ -3311,7 +3311,7 @@
             <a:fld id="{3A302466-FE76-40E8-BE5D-598A609EDD2B}" type="datetimeFigureOut">
               <a:rPr lang="ko-KR" altLang="en-US" smtClean="0"/>
               <a:pPr/>
-              <a:t>2019-05-24</a:t>
+              <a:t>2022-03-08</a:t>
             </a:fld>
             <a:endParaRPr lang="ko-KR" altLang="en-US"/>
           </a:p>
@@ -12010,7 +12010,7 @@
         </p:nvSpPr>
         <p:spPr>
           <a:xfrm>
-            <a:off x="1043608" y="2922495"/>
+            <a:off x="1043608" y="3337993"/>
             <a:ext cx="7704856" cy="830997"/>
           </a:xfrm>
           <a:prstGeom prst="rect">
@@ -12175,154 +12175,6 @@
           </a:p>
         </p:txBody>
       </p:sp>
-      <p:grpSp>
-        <p:nvGrpSpPr>
-          <p:cNvPr id="21" name="그룹 20"/>
-          <p:cNvGrpSpPr/>
-          <p:nvPr/>
-        </p:nvGrpSpPr>
-        <p:grpSpPr>
-          <a:xfrm>
-            <a:off x="6483845" y="4077072"/>
-            <a:ext cx="1647098" cy="463171"/>
-            <a:chOff x="4500694" y="5774141"/>
-            <a:chExt cx="1647098" cy="463171"/>
-          </a:xfrm>
-        </p:grpSpPr>
-        <p:sp>
-          <p:nvSpPr>
-            <p:cNvPr id="25" name="실행 단추: 앞으로 또는 다음 24">
-              <a:hlinkClick r:id="rId3" action="ppaction://program" highlightClick="1"/>
-            </p:cNvPr>
-            <p:cNvSpPr/>
-            <p:nvPr/>
-          </p:nvSpPr>
-          <p:spPr>
-            <a:xfrm>
-              <a:off x="4500694" y="5774141"/>
-              <a:ext cx="864096" cy="463171"/>
-            </a:xfrm>
-            <a:prstGeom prst="actionButtonForwardNext">
-              <a:avLst/>
-            </a:prstGeom>
-            <a:solidFill>
-              <a:schemeClr val="tx1"/>
-            </a:solidFill>
-            <a:ln>
-              <a:solidFill>
-                <a:schemeClr val="bg1"/>
-              </a:solidFill>
-            </a:ln>
-            <a:scene3d>
-              <a:camera prst="orthographicFront"/>
-              <a:lightRig rig="threePt" dir="t"/>
-            </a:scene3d>
-            <a:sp3d prstMaterial="metal">
-              <a:bevelT w="139700" h="127000" prst="divot"/>
-            </a:sp3d>
-          </p:spPr>
-          <p:style>
-            <a:lnRef idx="2">
-              <a:schemeClr val="accent1">
-                <a:shade val="50000"/>
-              </a:schemeClr>
-            </a:lnRef>
-            <a:fillRef idx="1">
-              <a:schemeClr val="accent1"/>
-            </a:fillRef>
-            <a:effectRef idx="0">
-              <a:schemeClr val="accent1"/>
-            </a:effectRef>
-            <a:fontRef idx="minor">
-              <a:schemeClr val="lt1"/>
-            </a:fontRef>
-          </p:style>
-          <p:txBody>
-            <a:bodyPr rtlCol="0" anchor="ctr"/>
-            <a:lstStyle/>
-            <a:p>
-              <a:pPr algn="ctr"/>
-              <a:endParaRPr lang="ko-KR" altLang="en-US"/>
-            </a:p>
-          </p:txBody>
-        </p:sp>
-        <p:sp>
-          <p:nvSpPr>
-            <p:cNvPr id="26" name="TextBox 25"/>
-            <p:cNvSpPr txBox="1"/>
-            <p:nvPr/>
-          </p:nvSpPr>
-          <p:spPr>
-            <a:xfrm>
-              <a:off x="5364790" y="5991091"/>
-              <a:ext cx="783002" cy="246221"/>
-            </a:xfrm>
-            <a:prstGeom prst="rect">
-              <a:avLst/>
-            </a:prstGeom>
-            <a:noFill/>
-          </p:spPr>
-          <p:txBody>
-            <a:bodyPr wrap="square" rtlCol="0">
-              <a:spAutoFit/>
-            </a:bodyPr>
-            <a:lstStyle/>
-            <a:p>
-              <a:r>
-                <a:rPr lang="en-US" altLang="ko-KR" sz="1000" dirty="0" smtClean="0">
-                  <a:ln>
-                    <a:solidFill>
-                      <a:schemeClr val="tx1">
-                        <a:alpha val="30000"/>
-                      </a:schemeClr>
-                    </a:solidFill>
-                  </a:ln>
-                  <a:solidFill>
-                    <a:srgbClr val="272123"/>
-                  </a:solidFill>
-                  <a:latin typeface="HY강M" pitchFamily="18" charset="-127"/>
-                  <a:ea typeface="HY강M" pitchFamily="18" charset="-127"/>
-                </a:rPr>
-                <a:t>(</a:t>
-              </a:r>
-              <a:r>
-                <a:rPr lang="ko-KR" altLang="en-US" sz="1000" dirty="0" smtClean="0">
-                  <a:ln>
-                    <a:solidFill>
-                      <a:schemeClr val="tx1">
-                        <a:alpha val="30000"/>
-                      </a:schemeClr>
-                    </a:solidFill>
-                  </a:ln>
-                  <a:solidFill>
-                    <a:srgbClr val="272123"/>
-                  </a:solidFill>
-                  <a:latin typeface="HY강M" pitchFamily="18" charset="-127"/>
-                  <a:ea typeface="HY강M" pitchFamily="18" charset="-127"/>
-                </a:rPr>
-                <a:t>실행파일</a:t>
-              </a:r>
-              <a:r>
-                <a:rPr lang="en-US" altLang="ko-KR" sz="1000" dirty="0" smtClean="0">
-                  <a:ln>
-                    <a:solidFill>
-                      <a:schemeClr val="tx1">
-                        <a:alpha val="30000"/>
-                      </a:schemeClr>
-                    </a:solidFill>
-                  </a:ln>
-                  <a:solidFill>
-                    <a:srgbClr val="272123"/>
-                  </a:solidFill>
-                  <a:latin typeface="HY강M" pitchFamily="18" charset="-127"/>
-                  <a:ea typeface="HY강M" pitchFamily="18" charset="-127"/>
-                </a:rPr>
-                <a:t>)</a:t>
-              </a:r>
-            </a:p>
-          </p:txBody>
-        </p:sp>
-      </p:grpSp>
       <p:sp>
         <p:nvSpPr>
           <p:cNvPr id="28" name="직사각형 27"/>
@@ -12891,7 +12743,7 @@
         </p:nvSpPr>
         <p:spPr>
           <a:xfrm>
-            <a:off x="1139071" y="2101854"/>
+            <a:off x="1160298" y="3237159"/>
             <a:ext cx="7377762" cy="584775"/>
           </a:xfrm>
           <a:prstGeom prst="rect">
@@ -12943,154 +12795,6 @@
           </a:p>
         </p:txBody>
       </p:sp>
-      <p:grpSp>
-        <p:nvGrpSpPr>
-          <p:cNvPr id="21" name="그룹 20"/>
-          <p:cNvGrpSpPr/>
-          <p:nvPr/>
-        </p:nvGrpSpPr>
-        <p:grpSpPr>
-          <a:xfrm>
-            <a:off x="6515962" y="5247251"/>
-            <a:ext cx="1647098" cy="463171"/>
-            <a:chOff x="4500694" y="5774141"/>
-            <a:chExt cx="1647098" cy="463171"/>
-          </a:xfrm>
-        </p:grpSpPr>
-        <p:sp>
-          <p:nvSpPr>
-            <p:cNvPr id="25" name="실행 단추: 앞으로 또는 다음 24">
-              <a:hlinkClick r:id="rId3" action="ppaction://program" highlightClick="1"/>
-            </p:cNvPr>
-            <p:cNvSpPr/>
-            <p:nvPr/>
-          </p:nvSpPr>
-          <p:spPr>
-            <a:xfrm>
-              <a:off x="4500694" y="5774141"/>
-              <a:ext cx="864096" cy="463171"/>
-            </a:xfrm>
-            <a:prstGeom prst="actionButtonForwardNext">
-              <a:avLst/>
-            </a:prstGeom>
-            <a:solidFill>
-              <a:schemeClr val="tx1"/>
-            </a:solidFill>
-            <a:ln>
-              <a:solidFill>
-                <a:schemeClr val="bg1"/>
-              </a:solidFill>
-            </a:ln>
-            <a:scene3d>
-              <a:camera prst="orthographicFront"/>
-              <a:lightRig rig="threePt" dir="t"/>
-            </a:scene3d>
-            <a:sp3d prstMaterial="metal">
-              <a:bevelT w="139700" h="127000" prst="divot"/>
-            </a:sp3d>
-          </p:spPr>
-          <p:style>
-            <a:lnRef idx="2">
-              <a:schemeClr val="accent1">
-                <a:shade val="50000"/>
-              </a:schemeClr>
-            </a:lnRef>
-            <a:fillRef idx="1">
-              <a:schemeClr val="accent1"/>
-            </a:fillRef>
-            <a:effectRef idx="0">
-              <a:schemeClr val="accent1"/>
-            </a:effectRef>
-            <a:fontRef idx="minor">
-              <a:schemeClr val="lt1"/>
-            </a:fontRef>
-          </p:style>
-          <p:txBody>
-            <a:bodyPr rtlCol="0" anchor="ctr"/>
-            <a:lstStyle/>
-            <a:p>
-              <a:pPr algn="ctr"/>
-              <a:endParaRPr lang="ko-KR" altLang="en-US"/>
-            </a:p>
-          </p:txBody>
-        </p:sp>
-        <p:sp>
-          <p:nvSpPr>
-            <p:cNvPr id="26" name="TextBox 25"/>
-            <p:cNvSpPr txBox="1"/>
-            <p:nvPr/>
-          </p:nvSpPr>
-          <p:spPr>
-            <a:xfrm>
-              <a:off x="5364790" y="5991091"/>
-              <a:ext cx="783002" cy="246221"/>
-            </a:xfrm>
-            <a:prstGeom prst="rect">
-              <a:avLst/>
-            </a:prstGeom>
-            <a:noFill/>
-          </p:spPr>
-          <p:txBody>
-            <a:bodyPr wrap="square" rtlCol="0">
-              <a:spAutoFit/>
-            </a:bodyPr>
-            <a:lstStyle/>
-            <a:p>
-              <a:r>
-                <a:rPr lang="en-US" altLang="ko-KR" sz="1000" dirty="0" smtClean="0">
-                  <a:ln>
-                    <a:solidFill>
-                      <a:schemeClr val="tx1">
-                        <a:alpha val="30000"/>
-                      </a:schemeClr>
-                    </a:solidFill>
-                  </a:ln>
-                  <a:solidFill>
-                    <a:srgbClr val="272123"/>
-                  </a:solidFill>
-                  <a:latin typeface="HY강M" pitchFamily="18" charset="-127"/>
-                  <a:ea typeface="HY강M" pitchFamily="18" charset="-127"/>
-                </a:rPr>
-                <a:t>(</a:t>
-              </a:r>
-              <a:r>
-                <a:rPr lang="ko-KR" altLang="en-US" sz="1000" dirty="0" smtClean="0">
-                  <a:ln>
-                    <a:solidFill>
-                      <a:schemeClr val="tx1">
-                        <a:alpha val="30000"/>
-                      </a:schemeClr>
-                    </a:solidFill>
-                  </a:ln>
-                  <a:solidFill>
-                    <a:srgbClr val="272123"/>
-                  </a:solidFill>
-                  <a:latin typeface="HY강M" pitchFamily="18" charset="-127"/>
-                  <a:ea typeface="HY강M" pitchFamily="18" charset="-127"/>
-                </a:rPr>
-                <a:t>실행파일</a:t>
-              </a:r>
-              <a:r>
-                <a:rPr lang="en-US" altLang="ko-KR" sz="1000" dirty="0" smtClean="0">
-                  <a:ln>
-                    <a:solidFill>
-                      <a:schemeClr val="tx1">
-                        <a:alpha val="30000"/>
-                      </a:schemeClr>
-                    </a:solidFill>
-                  </a:ln>
-                  <a:solidFill>
-                    <a:srgbClr val="272123"/>
-                  </a:solidFill>
-                  <a:latin typeface="HY강M" pitchFamily="18" charset="-127"/>
-                  <a:ea typeface="HY강M" pitchFamily="18" charset="-127"/>
-                </a:rPr>
-                <a:t>)</a:t>
-              </a:r>
-            </a:p>
-          </p:txBody>
-        </p:sp>
-      </p:grpSp>
       <p:sp>
         <p:nvSpPr>
           <p:cNvPr id="28" name="직사각형 27"/>
@@ -13401,7 +13105,7 @@
         <p:spPr>
           <a:xfrm>
             <a:off x="1207155" y="2698597"/>
-            <a:ext cx="7377762" cy="2277547"/>
+            <a:ext cx="7377762" cy="307777"/>
           </a:xfrm>
           <a:prstGeom prst="rect">
             <a:avLst/>
@@ -13413,1141 +13117,6 @@
             <a:spAutoFit/>
           </a:bodyPr>
           <a:lstStyle/>
-          <a:p>
-            <a:r>
-              <a:rPr lang="en-US" altLang="ko-KR" sz="1600" dirty="0" smtClean="0">
-                <a:ln>
-                  <a:solidFill>
-                    <a:schemeClr val="tx1">
-                      <a:alpha val="30000"/>
-                    </a:schemeClr>
-                  </a:solidFill>
-                </a:ln>
-                <a:solidFill>
-                  <a:srgbClr val="272123"/>
-                </a:solidFill>
-                <a:latin typeface="HY견고딕" panose="02030600000101010101" pitchFamily="18" charset="-127"/>
-                <a:ea typeface="HY견고딕" panose="02030600000101010101" pitchFamily="18" charset="-127"/>
-              </a:rPr>
-              <a:t>Play class</a:t>
-            </a:r>
-            <a:endParaRPr lang="en-US" altLang="ko-KR" sz="1600" dirty="0">
-              <a:ln>
-                <a:solidFill>
-                  <a:schemeClr val="tx1">
-                    <a:alpha val="30000"/>
-                  </a:schemeClr>
-                </a:solidFill>
-              </a:ln>
-              <a:solidFill>
-                <a:srgbClr val="272123"/>
-              </a:solidFill>
-              <a:latin typeface="HY견고딕" panose="02030600000101010101" pitchFamily="18" charset="-127"/>
-              <a:ea typeface="HY견고딕" panose="02030600000101010101" pitchFamily="18" charset="-127"/>
-            </a:endParaRPr>
-          </a:p>
-          <a:p>
-            <a:r>
-              <a:rPr lang="en-US" altLang="ko-KR" sz="1400" dirty="0" smtClean="0">
-                <a:ln>
-                  <a:solidFill>
-                    <a:schemeClr val="tx1">
-                      <a:alpha val="30000"/>
-                    </a:schemeClr>
-                  </a:solidFill>
-                </a:ln>
-                <a:solidFill>
-                  <a:srgbClr val="272123"/>
-                </a:solidFill>
-                <a:latin typeface="HY견고딕" panose="02030600000101010101" pitchFamily="18" charset="-127"/>
-                <a:ea typeface="HY견고딕" panose="02030600000101010101" pitchFamily="18" charset="-127"/>
-              </a:rPr>
-              <a:t>	</a:t>
-            </a:r>
-            <a:r>
-              <a:rPr lang="ko-KR" altLang="en-US" sz="1400" dirty="0" smtClean="0">
-                <a:ln>
-                  <a:solidFill>
-                    <a:schemeClr val="tx1">
-                      <a:alpha val="30000"/>
-                    </a:schemeClr>
-                  </a:solidFill>
-                </a:ln>
-                <a:solidFill>
-                  <a:srgbClr val="272123"/>
-                </a:solidFill>
-                <a:latin typeface="HY견고딕" panose="02030600000101010101" pitchFamily="18" charset="-127"/>
-                <a:ea typeface="HY견고딕" panose="02030600000101010101" pitchFamily="18" charset="-127"/>
-              </a:rPr>
-              <a:t>전체 </a:t>
-            </a:r>
-            <a:r>
-              <a:rPr lang="en-US" altLang="ko-KR" sz="1400" dirty="0" smtClean="0">
-                <a:ln>
-                  <a:solidFill>
-                    <a:schemeClr val="tx1">
-                      <a:alpha val="30000"/>
-                    </a:schemeClr>
-                  </a:solidFill>
-                </a:ln>
-                <a:solidFill>
-                  <a:srgbClr val="272123"/>
-                </a:solidFill>
-                <a:latin typeface="HY견고딕" panose="02030600000101010101" pitchFamily="18" charset="-127"/>
-                <a:ea typeface="HY견고딕" panose="02030600000101010101" pitchFamily="18" charset="-127"/>
-              </a:rPr>
-              <a:t>Play</a:t>
-            </a:r>
-            <a:r>
-              <a:rPr lang="ko-KR" altLang="en-US" sz="1400" dirty="0" smtClean="0">
-                <a:ln>
-                  <a:solidFill>
-                    <a:schemeClr val="tx1">
-                      <a:alpha val="30000"/>
-                    </a:schemeClr>
-                  </a:solidFill>
-                </a:ln>
-                <a:solidFill>
-                  <a:srgbClr val="272123"/>
-                </a:solidFill>
-                <a:latin typeface="HY견고딕" panose="02030600000101010101" pitchFamily="18" charset="-127"/>
-                <a:ea typeface="HY견고딕" panose="02030600000101010101" pitchFamily="18" charset="-127"/>
-              </a:rPr>
-              <a:t>상태를 관리하는 </a:t>
-            </a:r>
-            <a:r>
-              <a:rPr lang="en-US" altLang="ko-KR" sz="1400" dirty="0" smtClean="0">
-                <a:ln>
-                  <a:solidFill>
-                    <a:schemeClr val="tx1">
-                      <a:alpha val="30000"/>
-                    </a:schemeClr>
-                  </a:solidFill>
-                </a:ln>
-                <a:solidFill>
-                  <a:srgbClr val="272123"/>
-                </a:solidFill>
-                <a:latin typeface="HY견고딕" panose="02030600000101010101" pitchFamily="18" charset="-127"/>
-                <a:ea typeface="HY견고딕" panose="02030600000101010101" pitchFamily="18" charset="-127"/>
-              </a:rPr>
-              <a:t>class</a:t>
-            </a:r>
-          </a:p>
-          <a:p>
-            <a:r>
-              <a:rPr lang="en-US" altLang="ko-KR" sz="1400" dirty="0">
-                <a:ln>
-                  <a:solidFill>
-                    <a:schemeClr val="tx1">
-                      <a:alpha val="30000"/>
-                    </a:schemeClr>
-                  </a:solidFill>
-                </a:ln>
-                <a:solidFill>
-                  <a:srgbClr val="272123"/>
-                </a:solidFill>
-                <a:latin typeface="HY견고딕" panose="02030600000101010101" pitchFamily="18" charset="-127"/>
-                <a:ea typeface="HY견고딕" panose="02030600000101010101" pitchFamily="18" charset="-127"/>
-              </a:rPr>
-              <a:t>	</a:t>
-            </a:r>
-            <a:r>
-              <a:rPr lang="ko-KR" altLang="en-US" sz="1400" dirty="0" smtClean="0">
-                <a:ln>
-                  <a:solidFill>
-                    <a:schemeClr val="tx1">
-                      <a:alpha val="30000"/>
-                    </a:schemeClr>
-                  </a:solidFill>
-                </a:ln>
-                <a:solidFill>
-                  <a:srgbClr val="272123"/>
-                </a:solidFill>
-                <a:latin typeface="HY견고딕" panose="02030600000101010101" pitchFamily="18" charset="-127"/>
-                <a:ea typeface="HY견고딕" panose="02030600000101010101" pitchFamily="18" charset="-127"/>
-              </a:rPr>
-              <a:t>필요 </a:t>
-            </a:r>
-            <a:r>
-              <a:rPr lang="ko-KR" altLang="en-US" sz="1400" dirty="0" err="1" smtClean="0">
-                <a:ln>
-                  <a:solidFill>
-                    <a:schemeClr val="tx1">
-                      <a:alpha val="30000"/>
-                    </a:schemeClr>
-                  </a:solidFill>
-                </a:ln>
-                <a:solidFill>
-                  <a:srgbClr val="272123"/>
-                </a:solidFill>
-                <a:latin typeface="HY견고딕" panose="02030600000101010101" pitchFamily="18" charset="-127"/>
-                <a:ea typeface="HY견고딕" panose="02030600000101010101" pitchFamily="18" charset="-127"/>
-              </a:rPr>
-              <a:t>맴버변수</a:t>
-            </a:r>
-            <a:r>
-              <a:rPr lang="ko-KR" altLang="en-US" sz="1400" dirty="0" smtClean="0">
-                <a:ln>
-                  <a:solidFill>
-                    <a:schemeClr val="tx1">
-                      <a:alpha val="30000"/>
-                    </a:schemeClr>
-                  </a:solidFill>
-                </a:ln>
-                <a:solidFill>
-                  <a:srgbClr val="272123"/>
-                </a:solidFill>
-                <a:latin typeface="HY견고딕" panose="02030600000101010101" pitchFamily="18" charset="-127"/>
-                <a:ea typeface="HY견고딕" panose="02030600000101010101" pitchFamily="18" charset="-127"/>
-              </a:rPr>
-              <a:t> </a:t>
-            </a:r>
-            <a:r>
-              <a:rPr lang="en-US" altLang="ko-KR" sz="1400" dirty="0" smtClean="0">
-                <a:ln>
-                  <a:solidFill>
-                    <a:schemeClr val="tx1">
-                      <a:alpha val="30000"/>
-                    </a:schemeClr>
-                  </a:solidFill>
-                </a:ln>
-                <a:solidFill>
-                  <a:srgbClr val="272123"/>
-                </a:solidFill>
-                <a:latin typeface="HY견고딕" panose="02030600000101010101" pitchFamily="18" charset="-127"/>
-                <a:ea typeface="HY견고딕" panose="02030600000101010101" pitchFamily="18" charset="-127"/>
-              </a:rPr>
-              <a:t>– </a:t>
-            </a:r>
-            <a:r>
-              <a:rPr lang="en-US" altLang="ko-KR" sz="1400" dirty="0" err="1" smtClean="0">
-                <a:ln>
-                  <a:solidFill>
-                    <a:schemeClr val="tx1">
-                      <a:alpha val="30000"/>
-                    </a:schemeClr>
-                  </a:solidFill>
-                </a:ln>
-                <a:solidFill>
-                  <a:srgbClr val="272123"/>
-                </a:solidFill>
-                <a:latin typeface="HY견고딕" panose="02030600000101010101" pitchFamily="18" charset="-127"/>
-                <a:ea typeface="HY견고딕" panose="02030600000101010101" pitchFamily="18" charset="-127"/>
-              </a:rPr>
-              <a:t>DrawManager,Player</a:t>
-            </a:r>
-            <a:r>
-              <a:rPr lang="en-US" altLang="ko-KR" sz="1400" dirty="0" smtClean="0">
-                <a:ln>
-                  <a:solidFill>
-                    <a:schemeClr val="tx1">
-                      <a:alpha val="30000"/>
-                    </a:schemeClr>
-                  </a:solidFill>
-                </a:ln>
-                <a:solidFill>
-                  <a:srgbClr val="272123"/>
-                </a:solidFill>
-                <a:latin typeface="HY견고딕" panose="02030600000101010101" pitchFamily="18" charset="-127"/>
-                <a:ea typeface="HY견고딕" panose="02030600000101010101" pitchFamily="18" charset="-127"/>
-              </a:rPr>
-              <a:t>,</a:t>
-            </a:r>
-            <a:r>
-              <a:rPr lang="ko-KR" altLang="en-US" sz="1400" dirty="0" err="1" smtClean="0">
-                <a:ln>
-                  <a:solidFill>
-                    <a:schemeClr val="tx1">
-                      <a:alpha val="30000"/>
-                    </a:schemeClr>
-                  </a:solidFill>
-                </a:ln>
-                <a:solidFill>
-                  <a:srgbClr val="272123"/>
-                </a:solidFill>
-                <a:latin typeface="HY견고딕" panose="02030600000101010101" pitchFamily="18" charset="-127"/>
-                <a:ea typeface="HY견고딕" panose="02030600000101010101" pitchFamily="18" charset="-127"/>
-              </a:rPr>
-              <a:t>맵가로크기</a:t>
-            </a:r>
-            <a:r>
-              <a:rPr lang="en-US" altLang="ko-KR" sz="1400" dirty="0" smtClean="0">
-                <a:ln>
-                  <a:solidFill>
-                    <a:schemeClr val="tx1">
-                      <a:alpha val="30000"/>
-                    </a:schemeClr>
-                  </a:solidFill>
-                </a:ln>
-                <a:solidFill>
-                  <a:srgbClr val="272123"/>
-                </a:solidFill>
-                <a:latin typeface="HY견고딕" panose="02030600000101010101" pitchFamily="18" charset="-127"/>
-                <a:ea typeface="HY견고딕" panose="02030600000101010101" pitchFamily="18" charset="-127"/>
-              </a:rPr>
-              <a:t>,</a:t>
-            </a:r>
-            <a:r>
-              <a:rPr lang="ko-KR" altLang="en-US" sz="1400" dirty="0" err="1" smtClean="0">
-                <a:ln>
-                  <a:solidFill>
-                    <a:schemeClr val="tx1">
-                      <a:alpha val="30000"/>
-                    </a:schemeClr>
-                  </a:solidFill>
-                </a:ln>
-                <a:solidFill>
-                  <a:srgbClr val="272123"/>
-                </a:solidFill>
-                <a:latin typeface="HY견고딕" panose="02030600000101010101" pitchFamily="18" charset="-127"/>
-                <a:ea typeface="HY견고딕" panose="02030600000101010101" pitchFamily="18" charset="-127"/>
-              </a:rPr>
-              <a:t>맵세로크기</a:t>
-            </a:r>
-            <a:r>
-              <a:rPr lang="en-US" altLang="ko-KR" sz="1400" dirty="0" smtClean="0">
-                <a:ln>
-                  <a:solidFill>
-                    <a:schemeClr val="tx1">
-                      <a:alpha val="30000"/>
-                    </a:schemeClr>
-                  </a:solidFill>
-                </a:ln>
-                <a:solidFill>
-                  <a:srgbClr val="272123"/>
-                </a:solidFill>
-                <a:latin typeface="HY견고딕" panose="02030600000101010101" pitchFamily="18" charset="-127"/>
-                <a:ea typeface="HY견고딕" panose="02030600000101010101" pitchFamily="18" charset="-127"/>
-              </a:rPr>
-              <a:t>,</a:t>
-            </a:r>
-            <a:r>
-              <a:rPr lang="ko-KR" altLang="en-US" sz="1400" dirty="0" err="1" smtClean="0">
-                <a:ln>
-                  <a:solidFill>
-                    <a:schemeClr val="tx1">
-                      <a:alpha val="30000"/>
-                    </a:schemeClr>
-                  </a:solidFill>
-                </a:ln>
-                <a:solidFill>
-                  <a:srgbClr val="272123"/>
-                </a:solidFill>
-                <a:latin typeface="HY견고딕" panose="02030600000101010101" pitchFamily="18" charset="-127"/>
-                <a:ea typeface="HY견고딕" panose="02030600000101010101" pitchFamily="18" charset="-127"/>
-              </a:rPr>
-              <a:t>턴수</a:t>
-            </a:r>
-            <a:r>
-              <a:rPr lang="en-US" altLang="ko-KR" sz="1400" dirty="0" smtClean="0">
-                <a:ln>
-                  <a:solidFill>
-                    <a:schemeClr val="tx1">
-                      <a:alpha val="30000"/>
-                    </a:schemeClr>
-                  </a:solidFill>
-                </a:ln>
-                <a:solidFill>
-                  <a:srgbClr val="272123"/>
-                </a:solidFill>
-                <a:latin typeface="HY견고딕" panose="02030600000101010101" pitchFamily="18" charset="-127"/>
-                <a:ea typeface="HY견고딕" panose="02030600000101010101" pitchFamily="18" charset="-127"/>
-              </a:rPr>
-              <a:t>,	</a:t>
-            </a:r>
-            <a:r>
-              <a:rPr lang="ko-KR" altLang="en-US" sz="1400" dirty="0" smtClean="0">
-                <a:ln>
-                  <a:solidFill>
-                    <a:schemeClr val="tx1">
-                      <a:alpha val="30000"/>
-                    </a:schemeClr>
-                  </a:solidFill>
-                </a:ln>
-                <a:solidFill>
-                  <a:srgbClr val="272123"/>
-                </a:solidFill>
-                <a:latin typeface="HY견고딕" panose="02030600000101010101" pitchFamily="18" charset="-127"/>
-                <a:ea typeface="HY견고딕" panose="02030600000101010101" pitchFamily="18" charset="-127"/>
-              </a:rPr>
-              <a:t>커서</a:t>
-            </a:r>
-            <a:r>
-              <a:rPr lang="en-US" altLang="ko-KR" sz="1400" dirty="0">
-                <a:ln>
-                  <a:solidFill>
-                    <a:schemeClr val="tx1">
-                      <a:alpha val="30000"/>
-                    </a:schemeClr>
-                  </a:solidFill>
-                </a:ln>
-                <a:solidFill>
-                  <a:srgbClr val="272123"/>
-                </a:solidFill>
-                <a:latin typeface="HY견고딕" panose="02030600000101010101" pitchFamily="18" charset="-127"/>
-                <a:ea typeface="HY견고딕" panose="02030600000101010101" pitchFamily="18" charset="-127"/>
-              </a:rPr>
-              <a:t> </a:t>
-            </a:r>
-            <a:r>
-              <a:rPr lang="ko-KR" altLang="en-US" sz="1400" dirty="0" smtClean="0">
-                <a:ln>
-                  <a:solidFill>
-                    <a:schemeClr val="tx1">
-                      <a:alpha val="30000"/>
-                    </a:schemeClr>
-                  </a:solidFill>
-                </a:ln>
-                <a:solidFill>
-                  <a:srgbClr val="272123"/>
-                </a:solidFill>
-                <a:latin typeface="HY견고딕" panose="02030600000101010101" pitchFamily="18" charset="-127"/>
-                <a:ea typeface="HY견고딕" panose="02030600000101010101" pitchFamily="18" charset="-127"/>
-              </a:rPr>
-              <a:t>등등</a:t>
-            </a:r>
-            <a:r>
-              <a:rPr lang="en-US" altLang="ko-KR" sz="1400" dirty="0" smtClean="0">
-                <a:ln>
-                  <a:solidFill>
-                    <a:schemeClr val="tx1">
-                      <a:alpha val="30000"/>
-                    </a:schemeClr>
-                  </a:solidFill>
-                </a:ln>
-                <a:solidFill>
-                  <a:srgbClr val="272123"/>
-                </a:solidFill>
-                <a:latin typeface="HY견고딕" panose="02030600000101010101" pitchFamily="18" charset="-127"/>
-                <a:ea typeface="HY견고딕" panose="02030600000101010101" pitchFamily="18" charset="-127"/>
-              </a:rPr>
-              <a:t>..</a:t>
-            </a:r>
-          </a:p>
-          <a:p>
-            <a:r>
-              <a:rPr lang="en-US" altLang="ko-KR" sz="1400" dirty="0">
-                <a:ln>
-                  <a:solidFill>
-                    <a:schemeClr val="tx1">
-                      <a:alpha val="30000"/>
-                    </a:schemeClr>
-                  </a:solidFill>
-                </a:ln>
-                <a:solidFill>
-                  <a:srgbClr val="272123"/>
-                </a:solidFill>
-                <a:latin typeface="HY견고딕" panose="02030600000101010101" pitchFamily="18" charset="-127"/>
-                <a:ea typeface="HY견고딕" panose="02030600000101010101" pitchFamily="18" charset="-127"/>
-              </a:rPr>
-              <a:t>	</a:t>
-            </a:r>
-            <a:r>
-              <a:rPr lang="ko-KR" altLang="en-US" sz="1400" dirty="0" smtClean="0">
-                <a:ln>
-                  <a:solidFill>
-                    <a:schemeClr val="tx1">
-                      <a:alpha val="30000"/>
-                    </a:schemeClr>
-                  </a:solidFill>
-                </a:ln>
-                <a:solidFill>
-                  <a:srgbClr val="272123"/>
-                </a:solidFill>
-                <a:latin typeface="HY견고딕" panose="02030600000101010101" pitchFamily="18" charset="-127"/>
-                <a:ea typeface="HY견고딕" panose="02030600000101010101" pitchFamily="18" charset="-127"/>
-              </a:rPr>
-              <a:t>필요 </a:t>
-            </a:r>
-            <a:r>
-              <a:rPr lang="ko-KR" altLang="en-US" sz="1400" dirty="0" err="1" smtClean="0">
-                <a:ln>
-                  <a:solidFill>
-                    <a:schemeClr val="tx1">
-                      <a:alpha val="30000"/>
-                    </a:schemeClr>
-                  </a:solidFill>
-                </a:ln>
-                <a:solidFill>
-                  <a:srgbClr val="272123"/>
-                </a:solidFill>
-                <a:latin typeface="HY견고딕" panose="02030600000101010101" pitchFamily="18" charset="-127"/>
-                <a:ea typeface="HY견고딕" panose="02030600000101010101" pitchFamily="18" charset="-127"/>
-              </a:rPr>
-              <a:t>맴버함수</a:t>
-            </a:r>
-            <a:r>
-              <a:rPr lang="ko-KR" altLang="en-US" sz="1400" dirty="0" smtClean="0">
-                <a:ln>
-                  <a:solidFill>
-                    <a:schemeClr val="tx1">
-                      <a:alpha val="30000"/>
-                    </a:schemeClr>
-                  </a:solidFill>
-                </a:ln>
-                <a:solidFill>
-                  <a:srgbClr val="272123"/>
-                </a:solidFill>
-                <a:latin typeface="HY견고딕" panose="02030600000101010101" pitchFamily="18" charset="-127"/>
-                <a:ea typeface="HY견고딕" panose="02030600000101010101" pitchFamily="18" charset="-127"/>
-              </a:rPr>
-              <a:t> </a:t>
-            </a:r>
-            <a:r>
-              <a:rPr lang="en-US" altLang="ko-KR" sz="1400" dirty="0" smtClean="0">
-                <a:ln>
-                  <a:solidFill>
-                    <a:schemeClr val="tx1">
-                      <a:alpha val="30000"/>
-                    </a:schemeClr>
-                  </a:solidFill>
-                </a:ln>
-                <a:solidFill>
-                  <a:srgbClr val="272123"/>
-                </a:solidFill>
-                <a:latin typeface="HY견고딕" panose="02030600000101010101" pitchFamily="18" charset="-127"/>
-                <a:ea typeface="HY견고딕" panose="02030600000101010101" pitchFamily="18" charset="-127"/>
-              </a:rPr>
-              <a:t>– </a:t>
-            </a:r>
-            <a:r>
-              <a:rPr lang="en-US" altLang="ko-KR" sz="1400" dirty="0" err="1" smtClean="0">
-                <a:ln>
-                  <a:solidFill>
-                    <a:schemeClr val="tx1">
-                      <a:alpha val="30000"/>
-                    </a:schemeClr>
-                  </a:solidFill>
-                </a:ln>
-                <a:solidFill>
-                  <a:srgbClr val="272123"/>
-                </a:solidFill>
-                <a:latin typeface="HY견고딕" panose="02030600000101010101" pitchFamily="18" charset="-127"/>
-                <a:ea typeface="HY견고딕" panose="02030600000101010101" pitchFamily="18" charset="-127"/>
-              </a:rPr>
-              <a:t>Init,Reset,Playing,Input</a:t>
-            </a:r>
-            <a:r>
-              <a:rPr lang="ko-KR" altLang="en-US" sz="1400" dirty="0" smtClean="0">
-                <a:ln>
-                  <a:solidFill>
-                    <a:schemeClr val="tx1">
-                      <a:alpha val="30000"/>
-                    </a:schemeClr>
-                  </a:solidFill>
-                </a:ln>
-                <a:solidFill>
-                  <a:srgbClr val="272123"/>
-                </a:solidFill>
-                <a:latin typeface="HY견고딕" panose="02030600000101010101" pitchFamily="18" charset="-127"/>
-                <a:ea typeface="HY견고딕" panose="02030600000101010101" pitchFamily="18" charset="-127"/>
-              </a:rPr>
-              <a:t>등등</a:t>
-            </a:r>
-            <a:r>
-              <a:rPr lang="en-US" altLang="ko-KR" sz="1400" dirty="0" smtClean="0">
-                <a:ln>
-                  <a:solidFill>
-                    <a:schemeClr val="tx1">
-                      <a:alpha val="30000"/>
-                    </a:schemeClr>
-                  </a:solidFill>
-                </a:ln>
-                <a:solidFill>
-                  <a:srgbClr val="272123"/>
-                </a:solidFill>
-                <a:latin typeface="HY견고딕" panose="02030600000101010101" pitchFamily="18" charset="-127"/>
-                <a:ea typeface="HY견고딕" panose="02030600000101010101" pitchFamily="18" charset="-127"/>
-              </a:rPr>
-              <a:t>..</a:t>
-            </a:r>
-          </a:p>
-          <a:p>
-            <a:r>
-              <a:rPr lang="en-US" altLang="ko-KR" sz="1400" dirty="0" smtClean="0">
-                <a:ln>
-                  <a:solidFill>
-                    <a:schemeClr val="tx1">
-                      <a:alpha val="30000"/>
-                    </a:schemeClr>
-                  </a:solidFill>
-                </a:ln>
-                <a:solidFill>
-                  <a:srgbClr val="272123"/>
-                </a:solidFill>
-                <a:latin typeface="HY견고딕" panose="02030600000101010101" pitchFamily="18" charset="-127"/>
-                <a:ea typeface="HY견고딕" panose="02030600000101010101" pitchFamily="18" charset="-127"/>
-              </a:rPr>
-              <a:t>Player class</a:t>
-            </a:r>
-          </a:p>
-          <a:p>
-            <a:r>
-              <a:rPr lang="en-US" altLang="ko-KR" sz="1400" dirty="0">
-                <a:ln>
-                  <a:solidFill>
-                    <a:schemeClr val="tx1">
-                      <a:alpha val="30000"/>
-                    </a:schemeClr>
-                  </a:solidFill>
-                </a:ln>
-                <a:solidFill>
-                  <a:srgbClr val="272123"/>
-                </a:solidFill>
-                <a:latin typeface="HY견고딕" panose="02030600000101010101" pitchFamily="18" charset="-127"/>
-                <a:ea typeface="HY견고딕" panose="02030600000101010101" pitchFamily="18" charset="-127"/>
-              </a:rPr>
-              <a:t>	</a:t>
-            </a:r>
-            <a:r>
-              <a:rPr lang="en-US" altLang="ko-KR" sz="1400" dirty="0" smtClean="0">
-                <a:ln>
-                  <a:solidFill>
-                    <a:schemeClr val="tx1">
-                      <a:alpha val="30000"/>
-                    </a:schemeClr>
-                  </a:solidFill>
-                </a:ln>
-                <a:solidFill>
-                  <a:srgbClr val="272123"/>
-                </a:solidFill>
-                <a:latin typeface="HY견고딕" panose="02030600000101010101" pitchFamily="18" charset="-127"/>
-                <a:ea typeface="HY견고딕" panose="02030600000101010101" pitchFamily="18" charset="-127"/>
-              </a:rPr>
-              <a:t>Player</a:t>
-            </a:r>
-            <a:r>
-              <a:rPr lang="ko-KR" altLang="en-US" sz="1400" dirty="0" smtClean="0">
-                <a:ln>
-                  <a:solidFill>
-                    <a:schemeClr val="tx1">
-                      <a:alpha val="30000"/>
-                    </a:schemeClr>
-                  </a:solidFill>
-                </a:ln>
-                <a:solidFill>
-                  <a:srgbClr val="272123"/>
-                </a:solidFill>
-                <a:latin typeface="HY견고딕" panose="02030600000101010101" pitchFamily="18" charset="-127"/>
-                <a:ea typeface="HY견고딕" panose="02030600000101010101" pitchFamily="18" charset="-127"/>
-              </a:rPr>
-              <a:t>가 필요한 정보를 관리하는 </a:t>
-            </a:r>
-            <a:r>
-              <a:rPr lang="en-US" altLang="ko-KR" sz="1400" dirty="0" smtClean="0">
-                <a:ln>
-                  <a:solidFill>
-                    <a:schemeClr val="tx1">
-                      <a:alpha val="30000"/>
-                    </a:schemeClr>
-                  </a:solidFill>
-                </a:ln>
-                <a:solidFill>
-                  <a:srgbClr val="272123"/>
-                </a:solidFill>
-                <a:latin typeface="HY견고딕" panose="02030600000101010101" pitchFamily="18" charset="-127"/>
-                <a:ea typeface="HY견고딕" panose="02030600000101010101" pitchFamily="18" charset="-127"/>
-              </a:rPr>
-              <a:t>class</a:t>
-            </a:r>
-          </a:p>
-          <a:p>
-            <a:r>
-              <a:rPr lang="en-US" altLang="ko-KR" sz="1400" dirty="0">
-                <a:ln>
-                  <a:solidFill>
-                    <a:schemeClr val="tx1">
-                      <a:alpha val="30000"/>
-                    </a:schemeClr>
-                  </a:solidFill>
-                </a:ln>
-                <a:solidFill>
-                  <a:srgbClr val="272123"/>
-                </a:solidFill>
-                <a:latin typeface="HY견고딕" panose="02030600000101010101" pitchFamily="18" charset="-127"/>
-                <a:ea typeface="HY견고딕" panose="02030600000101010101" pitchFamily="18" charset="-127"/>
-              </a:rPr>
-              <a:t>	</a:t>
-            </a:r>
-            <a:r>
-              <a:rPr lang="ko-KR" altLang="en-US" sz="1400" dirty="0" smtClean="0">
-                <a:ln>
-                  <a:solidFill>
-                    <a:schemeClr val="tx1">
-                      <a:alpha val="30000"/>
-                    </a:schemeClr>
-                  </a:solidFill>
-                </a:ln>
-                <a:solidFill>
-                  <a:srgbClr val="272123"/>
-                </a:solidFill>
-                <a:latin typeface="HY견고딕" panose="02030600000101010101" pitchFamily="18" charset="-127"/>
-                <a:ea typeface="HY견고딕" panose="02030600000101010101" pitchFamily="18" charset="-127"/>
-              </a:rPr>
-              <a:t>필요 </a:t>
-            </a:r>
-            <a:r>
-              <a:rPr lang="ko-KR" altLang="en-US" sz="1400" dirty="0" err="1" smtClean="0">
-                <a:ln>
-                  <a:solidFill>
-                    <a:schemeClr val="tx1">
-                      <a:alpha val="30000"/>
-                    </a:schemeClr>
-                  </a:solidFill>
-                </a:ln>
-                <a:solidFill>
-                  <a:srgbClr val="272123"/>
-                </a:solidFill>
-                <a:latin typeface="HY견고딕" panose="02030600000101010101" pitchFamily="18" charset="-127"/>
-                <a:ea typeface="HY견고딕" panose="02030600000101010101" pitchFamily="18" charset="-127"/>
-              </a:rPr>
-              <a:t>맴버변수</a:t>
-            </a:r>
-            <a:r>
-              <a:rPr lang="en-US" altLang="ko-KR" sz="1400" dirty="0">
-                <a:ln>
-                  <a:solidFill>
-                    <a:schemeClr val="tx1">
-                      <a:alpha val="30000"/>
-                    </a:schemeClr>
-                  </a:solidFill>
-                </a:ln>
-                <a:solidFill>
-                  <a:srgbClr val="272123"/>
-                </a:solidFill>
-                <a:latin typeface="HY견고딕" panose="02030600000101010101" pitchFamily="18" charset="-127"/>
-                <a:ea typeface="HY견고딕" panose="02030600000101010101" pitchFamily="18" charset="-127"/>
-              </a:rPr>
-              <a:t> </a:t>
-            </a:r>
-            <a:r>
-              <a:rPr lang="en-US" altLang="ko-KR" sz="1400" dirty="0" smtClean="0">
-                <a:ln>
-                  <a:solidFill>
-                    <a:schemeClr val="tx1">
-                      <a:alpha val="30000"/>
-                    </a:schemeClr>
-                  </a:solidFill>
-                </a:ln>
-                <a:solidFill>
-                  <a:srgbClr val="272123"/>
-                </a:solidFill>
-                <a:latin typeface="HY견고딕" panose="02030600000101010101" pitchFamily="18" charset="-127"/>
-                <a:ea typeface="HY견고딕" panose="02030600000101010101" pitchFamily="18" charset="-127"/>
-              </a:rPr>
-              <a:t>– </a:t>
-            </a:r>
-            <a:r>
-              <a:rPr lang="ko-KR" altLang="en-US" sz="1400" dirty="0" err="1" smtClean="0">
-                <a:ln>
-                  <a:solidFill>
-                    <a:schemeClr val="tx1">
-                      <a:alpha val="30000"/>
-                    </a:schemeClr>
-                  </a:solidFill>
-                </a:ln>
-                <a:solidFill>
-                  <a:srgbClr val="272123"/>
-                </a:solidFill>
-                <a:latin typeface="HY견고딕" panose="02030600000101010101" pitchFamily="18" charset="-127"/>
-                <a:ea typeface="HY견고딕" panose="02030600000101010101" pitchFamily="18" charset="-127"/>
-              </a:rPr>
-              <a:t>돌구조체배열</a:t>
-            </a:r>
-            <a:r>
-              <a:rPr lang="en-US" altLang="ko-KR" sz="1400" dirty="0" smtClean="0">
-                <a:ln>
-                  <a:solidFill>
-                    <a:schemeClr val="tx1">
-                      <a:alpha val="30000"/>
-                    </a:schemeClr>
-                  </a:solidFill>
-                </a:ln>
-                <a:solidFill>
-                  <a:srgbClr val="272123"/>
-                </a:solidFill>
-                <a:latin typeface="HY견고딕" panose="02030600000101010101" pitchFamily="18" charset="-127"/>
-                <a:ea typeface="HY견고딕" panose="02030600000101010101" pitchFamily="18" charset="-127"/>
-              </a:rPr>
-              <a:t>,</a:t>
-            </a:r>
-            <a:r>
-              <a:rPr lang="ko-KR" altLang="en-US" sz="1400" dirty="0" err="1" smtClean="0">
-                <a:ln>
-                  <a:solidFill>
-                    <a:schemeClr val="tx1">
-                      <a:alpha val="30000"/>
-                    </a:schemeClr>
-                  </a:solidFill>
-                </a:ln>
-                <a:solidFill>
-                  <a:srgbClr val="272123"/>
-                </a:solidFill>
-                <a:latin typeface="HY견고딕" panose="02030600000101010101" pitchFamily="18" charset="-127"/>
-                <a:ea typeface="HY견고딕" panose="02030600000101010101" pitchFamily="18" charset="-127"/>
-              </a:rPr>
-              <a:t>돌갯수</a:t>
-            </a:r>
-            <a:r>
-              <a:rPr lang="en-US" altLang="ko-KR" sz="1400" dirty="0" smtClean="0">
-                <a:ln>
-                  <a:solidFill>
-                    <a:schemeClr val="tx1">
-                      <a:alpha val="30000"/>
-                    </a:schemeClr>
-                  </a:solidFill>
-                </a:ln>
-                <a:solidFill>
-                  <a:srgbClr val="272123"/>
-                </a:solidFill>
-                <a:latin typeface="HY견고딕" panose="02030600000101010101" pitchFamily="18" charset="-127"/>
-                <a:ea typeface="HY견고딕" panose="02030600000101010101" pitchFamily="18" charset="-127"/>
-              </a:rPr>
-              <a:t>,</a:t>
-            </a:r>
-            <a:r>
-              <a:rPr lang="ko-KR" altLang="en-US" sz="1400" dirty="0" err="1" smtClean="0">
-                <a:ln>
-                  <a:solidFill>
-                    <a:schemeClr val="tx1">
-                      <a:alpha val="30000"/>
-                    </a:schemeClr>
-                  </a:solidFill>
-                </a:ln>
-                <a:solidFill>
-                  <a:srgbClr val="272123"/>
-                </a:solidFill>
-                <a:latin typeface="HY견고딕" panose="02030600000101010101" pitchFamily="18" charset="-127"/>
-                <a:ea typeface="HY견고딕" panose="02030600000101010101" pitchFamily="18" charset="-127"/>
-              </a:rPr>
-              <a:t>팀이름변수</a:t>
-            </a:r>
-            <a:r>
-              <a:rPr lang="en-US" altLang="ko-KR" sz="1400" dirty="0" smtClean="0">
-                <a:ln>
-                  <a:solidFill>
-                    <a:schemeClr val="tx1">
-                      <a:alpha val="30000"/>
-                    </a:schemeClr>
-                  </a:solidFill>
-                </a:ln>
-                <a:solidFill>
-                  <a:srgbClr val="272123"/>
-                </a:solidFill>
-                <a:latin typeface="HY견고딕" panose="02030600000101010101" pitchFamily="18" charset="-127"/>
-                <a:ea typeface="HY견고딕" panose="02030600000101010101" pitchFamily="18" charset="-127"/>
-              </a:rPr>
-              <a:t>,</a:t>
-            </a:r>
-            <a:r>
-              <a:rPr lang="ko-KR" altLang="en-US" sz="1400" dirty="0" err="1" smtClean="0">
-                <a:ln>
-                  <a:solidFill>
-                    <a:schemeClr val="tx1">
-                      <a:alpha val="30000"/>
-                    </a:schemeClr>
-                  </a:solidFill>
-                </a:ln>
-                <a:solidFill>
-                  <a:srgbClr val="272123"/>
-                </a:solidFill>
-                <a:latin typeface="HY견고딕" panose="02030600000101010101" pitchFamily="18" charset="-127"/>
-                <a:ea typeface="HY견고딕" panose="02030600000101010101" pitchFamily="18" charset="-127"/>
-              </a:rPr>
-              <a:t>돌모양변수</a:t>
-            </a:r>
-            <a:r>
-              <a:rPr lang="ko-KR" altLang="en-US" sz="1400" dirty="0" smtClean="0">
-                <a:ln>
-                  <a:solidFill>
-                    <a:schemeClr val="tx1">
-                      <a:alpha val="30000"/>
-                    </a:schemeClr>
-                  </a:solidFill>
-                </a:ln>
-                <a:solidFill>
-                  <a:srgbClr val="272123"/>
-                </a:solidFill>
-                <a:latin typeface="HY견고딕" panose="02030600000101010101" pitchFamily="18" charset="-127"/>
-                <a:ea typeface="HY견고딕" panose="02030600000101010101" pitchFamily="18" charset="-127"/>
-              </a:rPr>
-              <a:t> 등등</a:t>
-            </a:r>
-            <a:r>
-              <a:rPr lang="en-US" altLang="ko-KR" sz="1400" dirty="0" smtClean="0">
-                <a:ln>
-                  <a:solidFill>
-                    <a:schemeClr val="tx1">
-                      <a:alpha val="30000"/>
-                    </a:schemeClr>
-                  </a:solidFill>
-                </a:ln>
-                <a:solidFill>
-                  <a:srgbClr val="272123"/>
-                </a:solidFill>
-                <a:latin typeface="HY견고딕" panose="02030600000101010101" pitchFamily="18" charset="-127"/>
-                <a:ea typeface="HY견고딕" panose="02030600000101010101" pitchFamily="18" charset="-127"/>
-              </a:rPr>
-              <a:t>..</a:t>
-            </a:r>
-          </a:p>
-          <a:p>
-            <a:r>
-              <a:rPr lang="en-US" altLang="ko-KR" sz="1400" dirty="0">
-                <a:ln>
-                  <a:solidFill>
-                    <a:schemeClr val="tx1">
-                      <a:alpha val="30000"/>
-                    </a:schemeClr>
-                  </a:solidFill>
-                </a:ln>
-                <a:solidFill>
-                  <a:srgbClr val="272123"/>
-                </a:solidFill>
-                <a:latin typeface="HY견고딕" panose="02030600000101010101" pitchFamily="18" charset="-127"/>
-                <a:ea typeface="HY견고딕" panose="02030600000101010101" pitchFamily="18" charset="-127"/>
-              </a:rPr>
-              <a:t>	</a:t>
-            </a:r>
-            <a:r>
-              <a:rPr lang="ko-KR" altLang="en-US" sz="1400" dirty="0" smtClean="0">
-                <a:ln>
-                  <a:solidFill>
-                    <a:schemeClr val="tx1">
-                      <a:alpha val="30000"/>
-                    </a:schemeClr>
-                  </a:solidFill>
-                </a:ln>
-                <a:solidFill>
-                  <a:srgbClr val="272123"/>
-                </a:solidFill>
-                <a:latin typeface="HY견고딕" panose="02030600000101010101" pitchFamily="18" charset="-127"/>
-                <a:ea typeface="HY견고딕" panose="02030600000101010101" pitchFamily="18" charset="-127"/>
-              </a:rPr>
-              <a:t>필요 </a:t>
-            </a:r>
-            <a:r>
-              <a:rPr lang="ko-KR" altLang="en-US" sz="1400" dirty="0" err="1" smtClean="0">
-                <a:ln>
-                  <a:solidFill>
-                    <a:schemeClr val="tx1">
-                      <a:alpha val="30000"/>
-                    </a:schemeClr>
-                  </a:solidFill>
-                </a:ln>
-                <a:solidFill>
-                  <a:srgbClr val="272123"/>
-                </a:solidFill>
-                <a:latin typeface="HY견고딕" panose="02030600000101010101" pitchFamily="18" charset="-127"/>
-                <a:ea typeface="HY견고딕" panose="02030600000101010101" pitchFamily="18" charset="-127"/>
-              </a:rPr>
-              <a:t>맴버함수</a:t>
-            </a:r>
-            <a:r>
-              <a:rPr lang="ko-KR" altLang="en-US" sz="1400" dirty="0" smtClean="0">
-                <a:ln>
-                  <a:solidFill>
-                    <a:schemeClr val="tx1">
-                      <a:alpha val="30000"/>
-                    </a:schemeClr>
-                  </a:solidFill>
-                </a:ln>
-                <a:solidFill>
-                  <a:srgbClr val="272123"/>
-                </a:solidFill>
-                <a:latin typeface="HY견고딕" panose="02030600000101010101" pitchFamily="18" charset="-127"/>
-                <a:ea typeface="HY견고딕" panose="02030600000101010101" pitchFamily="18" charset="-127"/>
-              </a:rPr>
-              <a:t> </a:t>
-            </a:r>
-            <a:r>
-              <a:rPr lang="en-US" altLang="ko-KR" sz="1400" dirty="0" smtClean="0">
-                <a:ln>
-                  <a:solidFill>
-                    <a:schemeClr val="tx1">
-                      <a:alpha val="30000"/>
-                    </a:schemeClr>
-                  </a:solidFill>
-                </a:ln>
-                <a:solidFill>
-                  <a:srgbClr val="272123"/>
-                </a:solidFill>
-                <a:latin typeface="HY견고딕" panose="02030600000101010101" pitchFamily="18" charset="-127"/>
-                <a:ea typeface="HY견고딕" panose="02030600000101010101" pitchFamily="18" charset="-127"/>
-              </a:rPr>
-              <a:t>– </a:t>
-            </a:r>
-            <a:r>
-              <a:rPr lang="ko-KR" altLang="en-US" sz="1400" dirty="0" smtClean="0">
-                <a:ln>
-                  <a:solidFill>
-                    <a:schemeClr val="tx1">
-                      <a:alpha val="30000"/>
-                    </a:schemeClr>
-                  </a:solidFill>
-                </a:ln>
-                <a:solidFill>
-                  <a:srgbClr val="272123"/>
-                </a:solidFill>
-                <a:latin typeface="HY견고딕" panose="02030600000101010101" pitchFamily="18" charset="-127"/>
-                <a:ea typeface="HY견고딕" panose="02030600000101010101" pitchFamily="18" charset="-127"/>
-              </a:rPr>
-              <a:t>승리체크함수</a:t>
-            </a:r>
-            <a:r>
-              <a:rPr lang="en-US" altLang="ko-KR" sz="1400" dirty="0" smtClean="0">
-                <a:ln>
-                  <a:solidFill>
-                    <a:schemeClr val="tx1">
-                      <a:alpha val="30000"/>
-                    </a:schemeClr>
-                  </a:solidFill>
-                </a:ln>
-                <a:solidFill>
-                  <a:srgbClr val="272123"/>
-                </a:solidFill>
-                <a:latin typeface="HY견고딕" panose="02030600000101010101" pitchFamily="18" charset="-127"/>
-                <a:ea typeface="HY견고딕" panose="02030600000101010101" pitchFamily="18" charset="-127"/>
-              </a:rPr>
-              <a:t>,</a:t>
-            </a:r>
-            <a:r>
-              <a:rPr lang="ko-KR" altLang="en-US" sz="1400" dirty="0" err="1" smtClean="0">
-                <a:ln>
-                  <a:solidFill>
-                    <a:schemeClr val="tx1">
-                      <a:alpha val="30000"/>
-                    </a:schemeClr>
-                  </a:solidFill>
-                </a:ln>
-                <a:solidFill>
-                  <a:srgbClr val="272123"/>
-                </a:solidFill>
-                <a:latin typeface="HY견고딕" panose="02030600000101010101" pitchFamily="18" charset="-127"/>
-                <a:ea typeface="HY견고딕" panose="02030600000101010101" pitchFamily="18" charset="-127"/>
-              </a:rPr>
-              <a:t>돌놓기함수</a:t>
-            </a:r>
-            <a:r>
-              <a:rPr lang="en-US" altLang="ko-KR" sz="1400" dirty="0" smtClean="0">
-                <a:ln>
-                  <a:solidFill>
-                    <a:schemeClr val="tx1">
-                      <a:alpha val="30000"/>
-                    </a:schemeClr>
-                  </a:solidFill>
-                </a:ln>
-                <a:solidFill>
-                  <a:srgbClr val="272123"/>
-                </a:solidFill>
-                <a:latin typeface="HY견고딕" panose="02030600000101010101" pitchFamily="18" charset="-127"/>
-                <a:ea typeface="HY견고딕" panose="02030600000101010101" pitchFamily="18" charset="-127"/>
-              </a:rPr>
-              <a:t>,</a:t>
-            </a:r>
-            <a:r>
-              <a:rPr lang="ko-KR" altLang="en-US" sz="1400" dirty="0" err="1" smtClean="0">
-                <a:ln>
-                  <a:solidFill>
-                    <a:schemeClr val="tx1">
-                      <a:alpha val="30000"/>
-                    </a:schemeClr>
-                  </a:solidFill>
-                </a:ln>
-                <a:solidFill>
-                  <a:srgbClr val="272123"/>
-                </a:solidFill>
-                <a:latin typeface="HY견고딕" panose="02030600000101010101" pitchFamily="18" charset="-127"/>
-                <a:ea typeface="HY견고딕" panose="02030600000101010101" pitchFamily="18" charset="-127"/>
-              </a:rPr>
-              <a:t>무르기함수</a:t>
-            </a:r>
-            <a:r>
-              <a:rPr lang="en-US" altLang="ko-KR" sz="1400" dirty="0" smtClean="0">
-                <a:ln>
-                  <a:solidFill>
-                    <a:schemeClr val="tx1">
-                      <a:alpha val="30000"/>
-                    </a:schemeClr>
-                  </a:solidFill>
-                </a:ln>
-                <a:solidFill>
-                  <a:srgbClr val="272123"/>
-                </a:solidFill>
-                <a:latin typeface="HY견고딕" panose="02030600000101010101" pitchFamily="18" charset="-127"/>
-                <a:ea typeface="HY견고딕" panose="02030600000101010101" pitchFamily="18" charset="-127"/>
-              </a:rPr>
-              <a:t>,</a:t>
-            </a:r>
-            <a:r>
-              <a:rPr lang="ko-KR" altLang="en-US" sz="1400" dirty="0" err="1" smtClean="0">
-                <a:ln>
-                  <a:solidFill>
-                    <a:schemeClr val="tx1">
-                      <a:alpha val="30000"/>
-                    </a:schemeClr>
-                  </a:solidFill>
-                </a:ln>
-                <a:solidFill>
-                  <a:srgbClr val="272123"/>
-                </a:solidFill>
-                <a:latin typeface="HY견고딕" panose="02030600000101010101" pitchFamily="18" charset="-127"/>
-                <a:ea typeface="HY견고딕" panose="02030600000101010101" pitchFamily="18" charset="-127"/>
-              </a:rPr>
-              <a:t>돌찾기함수</a:t>
-            </a:r>
-            <a:r>
-              <a:rPr lang="en-US" altLang="ko-KR" sz="1400" dirty="0">
-                <a:ln>
-                  <a:solidFill>
-                    <a:schemeClr val="tx1">
-                      <a:alpha val="30000"/>
-                    </a:schemeClr>
-                  </a:solidFill>
-                </a:ln>
-                <a:solidFill>
-                  <a:srgbClr val="272123"/>
-                </a:solidFill>
-                <a:latin typeface="HY견고딕" panose="02030600000101010101" pitchFamily="18" charset="-127"/>
-                <a:ea typeface="HY견고딕" panose="02030600000101010101" pitchFamily="18" charset="-127"/>
-              </a:rPr>
-              <a:t> </a:t>
-            </a:r>
-            <a:r>
-              <a:rPr lang="ko-KR" altLang="en-US" sz="1400" dirty="0" smtClean="0">
-                <a:ln>
-                  <a:solidFill>
-                    <a:schemeClr val="tx1">
-                      <a:alpha val="30000"/>
-                    </a:schemeClr>
-                  </a:solidFill>
-                </a:ln>
-                <a:solidFill>
-                  <a:srgbClr val="272123"/>
-                </a:solidFill>
-                <a:latin typeface="HY견고딕" panose="02030600000101010101" pitchFamily="18" charset="-127"/>
-                <a:ea typeface="HY견고딕" panose="02030600000101010101" pitchFamily="18" charset="-127"/>
-              </a:rPr>
-              <a:t>등등</a:t>
-            </a:r>
-            <a:r>
-              <a:rPr lang="en-US" altLang="ko-KR" sz="1400" dirty="0" smtClean="0">
-                <a:ln>
-                  <a:solidFill>
-                    <a:schemeClr val="tx1">
-                      <a:alpha val="30000"/>
-                    </a:schemeClr>
-                  </a:solidFill>
-                </a:ln>
-                <a:solidFill>
-                  <a:srgbClr val="272123"/>
-                </a:solidFill>
-                <a:latin typeface="HY견고딕" panose="02030600000101010101" pitchFamily="18" charset="-127"/>
-                <a:ea typeface="HY견고딕" panose="02030600000101010101" pitchFamily="18" charset="-127"/>
-              </a:rPr>
-              <a:t>..</a:t>
-            </a:r>
-          </a:p>
           <a:p>
             <a:r>
               <a:rPr lang="en-US" altLang="ko-KR" sz="1400" dirty="0">
